--- a/Documentation/Final Presentation.pptx
+++ b/Documentation/Final Presentation.pptx
@@ -223,7 +223,7 @@
           <a:p>
             <a:fld id="{C1F490C8-3BA7-4041-8286-2988090C968C}" type="datetimeFigureOut">
               <a:rPr lang="en-AU" smtClean="0"/>
-              <a:t>18/10/2012</a:t>
+              <a:t>25/10/2012</a:t>
             </a:fld>
             <a:endParaRPr lang="en-AU"/>
           </a:p>
@@ -449,7 +449,7 @@
           <a:p>
             <a:fld id="{C1F490C8-3BA7-4041-8286-2988090C968C}" type="datetimeFigureOut">
               <a:rPr lang="en-AU" smtClean="0"/>
-              <a:t>18/10/2012</a:t>
+              <a:t>25/10/2012</a:t>
             </a:fld>
             <a:endParaRPr lang="en-AU"/>
           </a:p>
@@ -624,7 +624,7 @@
           <a:p>
             <a:fld id="{C1F490C8-3BA7-4041-8286-2988090C968C}" type="datetimeFigureOut">
               <a:rPr lang="en-AU" smtClean="0"/>
-              <a:t>18/10/2012</a:t>
+              <a:t>25/10/2012</a:t>
             </a:fld>
             <a:endParaRPr lang="en-AU"/>
           </a:p>
@@ -789,7 +789,7 @@
           <a:p>
             <a:fld id="{C1F490C8-3BA7-4041-8286-2988090C968C}" type="datetimeFigureOut">
               <a:rPr lang="en-AU" smtClean="0"/>
-              <a:t>18/10/2012</a:t>
+              <a:t>25/10/2012</a:t>
             </a:fld>
             <a:endParaRPr lang="en-AU"/>
           </a:p>
@@ -1028,7 +1028,7 @@
           <a:p>
             <a:fld id="{C1F490C8-3BA7-4041-8286-2988090C968C}" type="datetimeFigureOut">
               <a:rPr lang="en-AU" smtClean="0"/>
-              <a:t>18/10/2012</a:t>
+              <a:t>25/10/2012</a:t>
             </a:fld>
             <a:endParaRPr lang="en-AU"/>
           </a:p>
@@ -1292,7 +1292,7 @@
           <a:p>
             <a:fld id="{C1F490C8-3BA7-4041-8286-2988090C968C}" type="datetimeFigureOut">
               <a:rPr lang="en-AU" smtClean="0"/>
-              <a:t>18/10/2012</a:t>
+              <a:t>25/10/2012</a:t>
             </a:fld>
             <a:endParaRPr lang="en-AU"/>
           </a:p>
@@ -1666,7 +1666,7 @@
           <a:p>
             <a:fld id="{C1F490C8-3BA7-4041-8286-2988090C968C}" type="datetimeFigureOut">
               <a:rPr lang="en-AU" smtClean="0"/>
-              <a:t>18/10/2012</a:t>
+              <a:t>25/10/2012</a:t>
             </a:fld>
             <a:endParaRPr lang="en-AU"/>
           </a:p>
@@ -1779,7 +1779,7 @@
           <a:p>
             <a:fld id="{C1F490C8-3BA7-4041-8286-2988090C968C}" type="datetimeFigureOut">
               <a:rPr lang="en-AU" smtClean="0"/>
-              <a:t>18/10/2012</a:t>
+              <a:t>25/10/2012</a:t>
             </a:fld>
             <a:endParaRPr lang="en-AU"/>
           </a:p>
@@ -1869,7 +1869,7 @@
           <a:p>
             <a:fld id="{C1F490C8-3BA7-4041-8286-2988090C968C}" type="datetimeFigureOut">
               <a:rPr lang="en-AU" smtClean="0"/>
-              <a:t>18/10/2012</a:t>
+              <a:t>25/10/2012</a:t>
             </a:fld>
             <a:endParaRPr lang="en-AU"/>
           </a:p>
@@ -2127,7 +2127,7 @@
           <a:p>
             <a:fld id="{C1F490C8-3BA7-4041-8286-2988090C968C}" type="datetimeFigureOut">
               <a:rPr lang="en-AU" smtClean="0"/>
-              <a:t>18/10/2012</a:t>
+              <a:t>25/10/2012</a:t>
             </a:fld>
             <a:endParaRPr lang="en-AU"/>
           </a:p>
@@ -2391,7 +2391,7 @@
           <a:p>
             <a:fld id="{C1F490C8-3BA7-4041-8286-2988090C968C}" type="datetimeFigureOut">
               <a:rPr lang="en-AU" smtClean="0"/>
-              <a:t>18/10/2012</a:t>
+              <a:t>25/10/2012</a:t>
             </a:fld>
             <a:endParaRPr lang="en-AU"/>
           </a:p>
@@ -2617,7 +2617,7 @@
           <a:p>
             <a:fld id="{C1F490C8-3BA7-4041-8286-2988090C968C}" type="datetimeFigureOut">
               <a:rPr lang="en-AU" smtClean="0"/>
-              <a:t>18/10/2012</a:t>
+              <a:t>25/10/2012</a:t>
             </a:fld>
             <a:endParaRPr lang="en-AU"/>
           </a:p>
@@ -3310,7 +3310,9 @@
         </p:nvSpPr>
         <p:spPr/>
         <p:txBody>
-          <a:bodyPr/>
+          <a:bodyPr>
+            <a:normAutofit fontScale="90000"/>
+          </a:bodyPr>
           <a:lstStyle/>
           <a:p>
             <a:r>
@@ -3486,8 +3488,31 @@
             </a:pPr>
             <a:r>
               <a:rPr lang="en-AU" sz="4400" dirty="0" smtClean="0"/>
-              <a:t>Push the Android platform to the limits</a:t>
-            </a:r>
+              <a:t>Push the Android platform to the </a:t>
+            </a:r>
+            <a:r>
+              <a:rPr lang="en-AU" sz="4400" dirty="0" smtClean="0"/>
+              <a:t>limits</a:t>
+            </a:r>
+          </a:p>
+          <a:p>
+            <a:pPr>
+              <a:buFont typeface="Arial" pitchFamily="34" charset="0"/>
+              <a:buChar char="•"/>
+            </a:pPr>
+            <a:r>
+              <a:rPr lang="en-AU" sz="4400" dirty="0" smtClean="0"/>
+              <a:t>Providing a library for 3</a:t>
+            </a:r>
+            <a:r>
+              <a:rPr lang="en-AU" sz="4400" baseline="30000" dirty="0" smtClean="0"/>
+              <a:t>rd</a:t>
+            </a:r>
+            <a:r>
+              <a:rPr lang="en-AU" sz="4400" dirty="0" smtClean="0"/>
+              <a:t> parties to utilise our service</a:t>
+            </a:r>
+            <a:endParaRPr lang="en-AU" sz="4400" dirty="0" smtClean="0"/>
           </a:p>
           <a:p>
             <a:pPr>
